--- a/Project 2 Presentation.pptx
+++ b/Project 2 Presentation.pptx
@@ -12,8 +12,9 @@
     <p:sldId id="259" r:id="rId6"/>
     <p:sldId id="260" r:id="rId7"/>
     <p:sldId id="261" r:id="rId8"/>
-    <p:sldId id="264" r:id="rId9"/>
-    <p:sldId id="262" r:id="rId10"/>
+    <p:sldId id="265" r:id="rId9"/>
+    <p:sldId id="264" r:id="rId10"/>
+    <p:sldId id="262" r:id="rId11"/>
   </p:sldIdLst>
   <p:sldSz cx="12192000" cy="6858000"/>
   <p:notesSz cx="6858000" cy="9144000"/>
@@ -112,6 +113,11 @@
       </a:defRPr>
     </a:lvl9pPr>
   </p:defaultTextStyle>
+  <p:extLst>
+    <p:ext uri="{EFAFB233-063F-42B5-8137-9DF3F51BA10A}">
+      <p15:sldGuideLst xmlns:p15="http://schemas.microsoft.com/office/powerpoint/2012/main"/>
+    </p:ext>
+  </p:extLst>
 </p:presentation>
 </file>
 
@@ -262,7 +268,7 @@
           <a:p>
             <a:fld id="{9226E74A-D5F1-41A0-9D38-1A4D7126D4C9}" type="datetimeFigureOut">
               <a:rPr lang="en-US" smtClean="0"/>
-              <a:t>10/16/2020</a:t>
+              <a:t>10/17/2020</a:t>
             </a:fld>
             <a:endParaRPr lang="en-US"/>
           </a:p>
@@ -460,7 +466,7 @@
           <a:p>
             <a:fld id="{9226E74A-D5F1-41A0-9D38-1A4D7126D4C9}" type="datetimeFigureOut">
               <a:rPr lang="en-US" smtClean="0"/>
-              <a:t>10/16/2020</a:t>
+              <a:t>10/17/2020</a:t>
             </a:fld>
             <a:endParaRPr lang="en-US"/>
           </a:p>
@@ -668,7 +674,7 @@
           <a:p>
             <a:fld id="{9226E74A-D5F1-41A0-9D38-1A4D7126D4C9}" type="datetimeFigureOut">
               <a:rPr lang="en-US" smtClean="0"/>
-              <a:t>10/16/2020</a:t>
+              <a:t>10/17/2020</a:t>
             </a:fld>
             <a:endParaRPr lang="en-US"/>
           </a:p>
@@ -866,7 +872,7 @@
           <a:p>
             <a:fld id="{9226E74A-D5F1-41A0-9D38-1A4D7126D4C9}" type="datetimeFigureOut">
               <a:rPr lang="en-US" smtClean="0"/>
-              <a:t>10/16/2020</a:t>
+              <a:t>10/17/2020</a:t>
             </a:fld>
             <a:endParaRPr lang="en-US"/>
           </a:p>
@@ -1141,7 +1147,7 @@
           <a:p>
             <a:fld id="{9226E74A-D5F1-41A0-9D38-1A4D7126D4C9}" type="datetimeFigureOut">
               <a:rPr lang="en-US" smtClean="0"/>
-              <a:t>10/16/2020</a:t>
+              <a:t>10/17/2020</a:t>
             </a:fld>
             <a:endParaRPr lang="en-US"/>
           </a:p>
@@ -1406,7 +1412,7 @@
           <a:p>
             <a:fld id="{9226E74A-D5F1-41A0-9D38-1A4D7126D4C9}" type="datetimeFigureOut">
               <a:rPr lang="en-US" smtClean="0"/>
-              <a:t>10/16/2020</a:t>
+              <a:t>10/17/2020</a:t>
             </a:fld>
             <a:endParaRPr lang="en-US"/>
           </a:p>
@@ -1818,7 +1824,7 @@
           <a:p>
             <a:fld id="{9226E74A-D5F1-41A0-9D38-1A4D7126D4C9}" type="datetimeFigureOut">
               <a:rPr lang="en-US" smtClean="0"/>
-              <a:t>10/16/2020</a:t>
+              <a:t>10/17/2020</a:t>
             </a:fld>
             <a:endParaRPr lang="en-US"/>
           </a:p>
@@ -1959,7 +1965,7 @@
           <a:p>
             <a:fld id="{9226E74A-D5F1-41A0-9D38-1A4D7126D4C9}" type="datetimeFigureOut">
               <a:rPr lang="en-US" smtClean="0"/>
-              <a:t>10/16/2020</a:t>
+              <a:t>10/17/2020</a:t>
             </a:fld>
             <a:endParaRPr lang="en-US"/>
           </a:p>
@@ -2072,7 +2078,7 @@
           <a:p>
             <a:fld id="{9226E74A-D5F1-41A0-9D38-1A4D7126D4C9}" type="datetimeFigureOut">
               <a:rPr lang="en-US" smtClean="0"/>
-              <a:t>10/16/2020</a:t>
+              <a:t>10/17/2020</a:t>
             </a:fld>
             <a:endParaRPr lang="en-US"/>
           </a:p>
@@ -2383,7 +2389,7 @@
           <a:p>
             <a:fld id="{9226E74A-D5F1-41A0-9D38-1A4D7126D4C9}" type="datetimeFigureOut">
               <a:rPr lang="en-US" smtClean="0"/>
-              <a:t>10/16/2020</a:t>
+              <a:t>10/17/2020</a:t>
             </a:fld>
             <a:endParaRPr lang="en-US"/>
           </a:p>
@@ -2671,7 +2677,7 @@
           <a:p>
             <a:fld id="{9226E74A-D5F1-41A0-9D38-1A4D7126D4C9}" type="datetimeFigureOut">
               <a:rPr lang="en-US" smtClean="0"/>
-              <a:t>10/16/2020</a:t>
+              <a:t>10/17/2020</a:t>
             </a:fld>
             <a:endParaRPr lang="en-US"/>
           </a:p>
@@ -2912,7 +2918,7 @@
           <a:p>
             <a:fld id="{9226E74A-D5F1-41A0-9D38-1A4D7126D4C9}" type="datetimeFigureOut">
               <a:rPr lang="en-US" smtClean="0"/>
-              <a:t>10/16/2020</a:t>
+              <a:t>10/17/2020</a:t>
             </a:fld>
             <a:endParaRPr lang="en-US"/>
           </a:p>
@@ -3404,11 +3410,11 @@
             <a:pPr algn="l"/>
             <a:r>
               <a:rPr lang="en-US" sz="2000" dirty="0"/>
-              <a:t>Zachary Herrington, Molly Oesterling, Tomorrow Rose, Chris </a:t>
-            </a:r>
-            <a:r>
-              <a:rPr lang="en-US" sz="2000" dirty="0" err="1"/>
-              <a:t>Wycott</a:t>
+              <a:t>Zachary Herrington, Molly Oesterling, Tomorrow Rose, </a:t>
+            </a:r>
+            <a:r>
+              <a:rPr lang="en-US" sz="2000"/>
+              <a:t>Chris Waycott</a:t>
             </a:r>
             <a:endParaRPr lang="en-US" sz="2000" dirty="0"/>
           </a:p>
@@ -4035,6 +4041,584 @@
     <p:extLst>
       <p:ext uri="{BB962C8B-B14F-4D97-AF65-F5344CB8AC3E}">
         <p14:creationId xmlns:p14="http://schemas.microsoft.com/office/powerpoint/2010/main" val="2986587633"/>
+      </p:ext>
+    </p:extLst>
+  </p:cSld>
+  <p:clrMapOvr>
+    <a:masterClrMapping/>
+  </p:clrMapOvr>
+</p:sld>
+</file>
+
+<file path=ppt/slides/slide10.xml><?xml version="1.0" encoding="utf-8"?>
+<p:sld xmlns:a="http://schemas.openxmlformats.org/drawingml/2006/main" xmlns:r="http://schemas.openxmlformats.org/officeDocument/2006/relationships" xmlns:p="http://schemas.openxmlformats.org/presentationml/2006/main">
+  <p:cSld>
+    <p:bg>
+      <p:bgPr>
+        <a:solidFill>
+          <a:schemeClr val="bg1"/>
+        </a:solidFill>
+        <a:effectLst/>
+      </p:bgPr>
+    </p:bg>
+    <p:spTree>
+      <p:nvGrpSpPr>
+        <p:cNvPr id="1" name=""/>
+        <p:cNvGrpSpPr/>
+        <p:nvPr/>
+      </p:nvGrpSpPr>
+      <p:grpSpPr>
+        <a:xfrm>
+          <a:off x="0" y="0"/>
+          <a:ext cx="0" cy="0"/>
+          <a:chOff x="0" y="0"/>
+          <a:chExt cx="0" cy="0"/>
+        </a:xfrm>
+      </p:grpSpPr>
+      <p:sp>
+        <p:nvSpPr>
+          <p:cNvPr id="2" name="Title 1">
+            <a:extLst>
+              <a:ext uri="{FF2B5EF4-FFF2-40B4-BE49-F238E27FC236}">
+                <a16:creationId xmlns:a16="http://schemas.microsoft.com/office/drawing/2014/main" id="{4E61EA56-F763-4C2C-BED8-F886CED4AB59}"/>
+              </a:ext>
+            </a:extLst>
+          </p:cNvPr>
+          <p:cNvSpPr>
+            <a:spLocks noGrp="1"/>
+          </p:cNvSpPr>
+          <p:nvPr>
+            <p:ph type="title"/>
+          </p:nvPr>
+        </p:nvSpPr>
+        <p:spPr>
+          <a:xfrm>
+            <a:off x="1653363" y="365760"/>
+            <a:ext cx="9367203" cy="1188720"/>
+          </a:xfrm>
+        </p:spPr>
+        <p:txBody>
+          <a:bodyPr>
+            <a:normAutofit/>
+          </a:bodyPr>
+          <a:lstStyle/>
+          <a:p>
+            <a:r>
+              <a:rPr lang="en-US" dirty="0"/>
+              <a:t>Reflection</a:t>
+            </a:r>
+          </a:p>
+        </p:txBody>
+      </p:sp>
+      <p:sp>
+        <p:nvSpPr>
+          <p:cNvPr id="8" name="Freeform: Shape 7">
+            <a:extLst>
+              <a:ext uri="{FF2B5EF4-FFF2-40B4-BE49-F238E27FC236}">
+                <a16:creationId xmlns:a16="http://schemas.microsoft.com/office/drawing/2014/main" id="{7CB4857B-ED7C-444D-9F04-2F885114A1C2}"/>
+              </a:ext>
+              <a:ext uri="{C183D7F6-B498-43B3-948B-1728B52AA6E4}">
+                <adec:decorative xmlns:adec="http://schemas.microsoft.com/office/drawing/2017/decorative" val="1"/>
+              </a:ext>
+            </a:extLst>
+          </p:cNvPr>
+          <p:cNvSpPr>
+            <a:spLocks noGrp="1" noRot="1" noChangeAspect="1" noMove="1" noResize="1" noEditPoints="1" noAdjustHandles="1" noChangeArrowheads="1" noChangeShapeType="1" noTextEdit="1"/>
+          </p:cNvSpPr>
+          <p:nvPr>
+            <p:extLst>
+              <p:ext uri="{386F3935-93C4-4BCD-93E2-E3B085C9AB24}">
+                <p16:designElem xmlns:p16="http://schemas.microsoft.com/office/powerpoint/2015/main" val="1"/>
+              </p:ext>
+            </p:extLst>
+          </p:nvPr>
+        </p:nvSpPr>
+        <p:spPr>
+          <a:xfrm>
+            <a:off x="1" y="0"/>
+            <a:ext cx="1764099" cy="1558212"/>
+          </a:xfrm>
+          <a:custGeom>
+            <a:avLst/>
+            <a:gdLst>
+              <a:gd name="connsiteX0" fmla="*/ 0 w 1764099"/>
+              <a:gd name="connsiteY0" fmla="*/ 0 h 1558212"/>
+              <a:gd name="connsiteX1" fmla="*/ 1764099 w 1764099"/>
+              <a:gd name="connsiteY1" fmla="*/ 0 h 1558212"/>
+              <a:gd name="connsiteX2" fmla="*/ 1042087 w 1764099"/>
+              <a:gd name="connsiteY2" fmla="*/ 1558212 h 1558212"/>
+              <a:gd name="connsiteX3" fmla="*/ 0 w 1764099"/>
+              <a:gd name="connsiteY3" fmla="*/ 1558212 h 1558212"/>
+            </a:gdLst>
+            <a:ahLst/>
+            <a:cxnLst>
+              <a:cxn ang="0">
+                <a:pos x="connsiteX0" y="connsiteY0"/>
+              </a:cxn>
+              <a:cxn ang="0">
+                <a:pos x="connsiteX1" y="connsiteY1"/>
+              </a:cxn>
+              <a:cxn ang="0">
+                <a:pos x="connsiteX2" y="connsiteY2"/>
+              </a:cxn>
+              <a:cxn ang="0">
+                <a:pos x="connsiteX3" y="connsiteY3"/>
+              </a:cxn>
+            </a:cxnLst>
+            <a:rect l="l" t="t" r="r" b="b"/>
+            <a:pathLst>
+              <a:path w="1764099" h="1558212">
+                <a:moveTo>
+                  <a:pt x="0" y="0"/>
+                </a:moveTo>
+                <a:lnTo>
+                  <a:pt x="1764099" y="0"/>
+                </a:lnTo>
+                <a:lnTo>
+                  <a:pt x="1042087" y="1558212"/>
+                </a:lnTo>
+                <a:lnTo>
+                  <a:pt x="0" y="1558212"/>
+                </a:lnTo>
+                <a:close/>
+              </a:path>
+            </a:pathLst>
+          </a:custGeom>
+          <a:solidFill>
+            <a:schemeClr val="accent4"/>
+          </a:solidFill>
+          <a:ln>
+            <a:noFill/>
+          </a:ln>
+        </p:spPr>
+        <p:style>
+          <a:lnRef idx="2">
+            <a:schemeClr val="accent1">
+              <a:shade val="50000"/>
+            </a:schemeClr>
+          </a:lnRef>
+          <a:fillRef idx="1">
+            <a:schemeClr val="accent1"/>
+          </a:fillRef>
+          <a:effectRef idx="0">
+            <a:schemeClr val="accent1"/>
+          </a:effectRef>
+          <a:fontRef idx="minor">
+            <a:schemeClr val="lt1"/>
+          </a:fontRef>
+        </p:style>
+        <p:txBody>
+          <a:bodyPr wrap="square" rtlCol="0" anchor="ctr">
+            <a:noAutofit/>
+          </a:bodyPr>
+          <a:lstStyle/>
+          <a:p>
+            <a:pPr algn="ctr"/>
+            <a:endParaRPr lang="en-US"/>
+          </a:p>
+        </p:txBody>
+      </p:sp>
+      <p:sp>
+        <p:nvSpPr>
+          <p:cNvPr id="10" name="Freeform: Shape 9">
+            <a:extLst>
+              <a:ext uri="{FF2B5EF4-FFF2-40B4-BE49-F238E27FC236}">
+                <a16:creationId xmlns:a16="http://schemas.microsoft.com/office/drawing/2014/main" id="{D18046FB-44EA-4FD8-A585-EA09A319B2D0}"/>
+              </a:ext>
+              <a:ext uri="{C183D7F6-B498-43B3-948B-1728B52AA6E4}">
+                <adec:decorative xmlns:adec="http://schemas.microsoft.com/office/drawing/2017/decorative" val="1"/>
+              </a:ext>
+            </a:extLst>
+          </p:cNvPr>
+          <p:cNvSpPr>
+            <a:spLocks noGrp="1" noRot="1" noChangeAspect="1" noMove="1" noResize="1" noEditPoints="1" noAdjustHandles="1" noChangeArrowheads="1" noChangeShapeType="1" noTextEdit="1"/>
+          </p:cNvSpPr>
+          <p:nvPr>
+            <p:extLst>
+              <p:ext uri="{386F3935-93C4-4BCD-93E2-E3B085C9AB24}">
+                <p16:designElem xmlns:p16="http://schemas.microsoft.com/office/powerpoint/2015/main" val="1"/>
+              </p:ext>
+            </p:extLst>
+          </p:nvPr>
+        </p:nvSpPr>
+        <p:spPr>
+          <a:xfrm>
+            <a:off x="1" y="1691640"/>
+            <a:ext cx="12191999" cy="5166360"/>
+          </a:xfrm>
+          <a:custGeom>
+            <a:avLst/>
+            <a:gdLst>
+              <a:gd name="connsiteX0" fmla="*/ 0 w 12191999"/>
+              <a:gd name="connsiteY0" fmla="*/ 0 h 5166360"/>
+              <a:gd name="connsiteX1" fmla="*/ 1822388 w 12191999"/>
+              <a:gd name="connsiteY1" fmla="*/ 0 h 5166360"/>
+              <a:gd name="connsiteX2" fmla="*/ 6468290 w 12191999"/>
+              <a:gd name="connsiteY2" fmla="*/ 0 h 5166360"/>
+              <a:gd name="connsiteX3" fmla="*/ 7796394 w 12191999"/>
+              <a:gd name="connsiteY3" fmla="*/ 0 h 5166360"/>
+              <a:gd name="connsiteX4" fmla="*/ 8376834 w 12191999"/>
+              <a:gd name="connsiteY4" fmla="*/ 0 h 5166360"/>
+              <a:gd name="connsiteX5" fmla="*/ 9704938 w 12191999"/>
+              <a:gd name="connsiteY5" fmla="*/ 0 h 5166360"/>
+              <a:gd name="connsiteX6" fmla="*/ 9704938 w 12191999"/>
+              <a:gd name="connsiteY6" fmla="*/ 2 h 5166360"/>
+              <a:gd name="connsiteX7" fmla="*/ 10283456 w 12191999"/>
+              <a:gd name="connsiteY7" fmla="*/ 2 h 5166360"/>
+              <a:gd name="connsiteX8" fmla="*/ 10863897 w 12191999"/>
+              <a:gd name="connsiteY8" fmla="*/ 2 h 5166360"/>
+              <a:gd name="connsiteX9" fmla="*/ 12191999 w 12191999"/>
+              <a:gd name="connsiteY9" fmla="*/ 2 h 5166360"/>
+              <a:gd name="connsiteX10" fmla="*/ 12191999 w 12191999"/>
+              <a:gd name="connsiteY10" fmla="*/ 5166360 h 5166360"/>
+              <a:gd name="connsiteX11" fmla="*/ 0 w 12191999"/>
+              <a:gd name="connsiteY11" fmla="*/ 5166360 h 5166360"/>
+              <a:gd name="connsiteX12" fmla="*/ 0 w 12191999"/>
+              <a:gd name="connsiteY12" fmla="*/ 2604436 h 5166360"/>
+              <a:gd name="connsiteX13" fmla="*/ 862341 w 12191999"/>
+              <a:gd name="connsiteY13" fmla="*/ 743371 h 5166360"/>
+              <a:gd name="connsiteX14" fmla="*/ 0 w 12191999"/>
+              <a:gd name="connsiteY14" fmla="*/ 743371 h 5166360"/>
+              <a:gd name="connsiteX15" fmla="*/ 0 w 12191999"/>
+              <a:gd name="connsiteY15" fmla="*/ 742508 h 5166360"/>
+              <a:gd name="connsiteX16" fmla="*/ 92826 w 12191999"/>
+              <a:gd name="connsiteY16" fmla="*/ 742508 h 5166360"/>
+              <a:gd name="connsiteX17" fmla="*/ 406486 w 12191999"/>
+              <a:gd name="connsiteY17" fmla="*/ 742508 h 5166360"/>
+              <a:gd name="connsiteX18" fmla="*/ 406486 w 12191999"/>
+              <a:gd name="connsiteY18" fmla="*/ 742507 h 5166360"/>
+              <a:gd name="connsiteX19" fmla="*/ 862741 w 12191999"/>
+              <a:gd name="connsiteY19" fmla="*/ 742507 h 5166360"/>
+              <a:gd name="connsiteX20" fmla="*/ 1206388 w 12191999"/>
+              <a:gd name="connsiteY20" fmla="*/ 864 h 5166360"/>
+              <a:gd name="connsiteX21" fmla="*/ 748500 w 12191999"/>
+              <a:gd name="connsiteY21" fmla="*/ 864 h 5166360"/>
+              <a:gd name="connsiteX22" fmla="*/ 0 w 12191999"/>
+              <a:gd name="connsiteY22" fmla="*/ 864 h 5166360"/>
+            </a:gdLst>
+            <a:ahLst/>
+            <a:cxnLst>
+              <a:cxn ang="0">
+                <a:pos x="connsiteX0" y="connsiteY0"/>
+              </a:cxn>
+              <a:cxn ang="0">
+                <a:pos x="connsiteX1" y="connsiteY1"/>
+              </a:cxn>
+              <a:cxn ang="0">
+                <a:pos x="connsiteX2" y="connsiteY2"/>
+              </a:cxn>
+              <a:cxn ang="0">
+                <a:pos x="connsiteX3" y="connsiteY3"/>
+              </a:cxn>
+              <a:cxn ang="0">
+                <a:pos x="connsiteX4" y="connsiteY4"/>
+              </a:cxn>
+              <a:cxn ang="0">
+                <a:pos x="connsiteX5" y="connsiteY5"/>
+              </a:cxn>
+              <a:cxn ang="0">
+                <a:pos x="connsiteX6" y="connsiteY6"/>
+              </a:cxn>
+              <a:cxn ang="0">
+                <a:pos x="connsiteX7" y="connsiteY7"/>
+              </a:cxn>
+              <a:cxn ang="0">
+                <a:pos x="connsiteX8" y="connsiteY8"/>
+              </a:cxn>
+              <a:cxn ang="0">
+                <a:pos x="connsiteX9" y="connsiteY9"/>
+              </a:cxn>
+              <a:cxn ang="0">
+                <a:pos x="connsiteX10" y="connsiteY10"/>
+              </a:cxn>
+              <a:cxn ang="0">
+                <a:pos x="connsiteX11" y="connsiteY11"/>
+              </a:cxn>
+              <a:cxn ang="0">
+                <a:pos x="connsiteX12" y="connsiteY12"/>
+              </a:cxn>
+              <a:cxn ang="0">
+                <a:pos x="connsiteX13" y="connsiteY13"/>
+              </a:cxn>
+              <a:cxn ang="0">
+                <a:pos x="connsiteX14" y="connsiteY14"/>
+              </a:cxn>
+              <a:cxn ang="0">
+                <a:pos x="connsiteX15" y="connsiteY15"/>
+              </a:cxn>
+              <a:cxn ang="0">
+                <a:pos x="connsiteX16" y="connsiteY16"/>
+              </a:cxn>
+              <a:cxn ang="0">
+                <a:pos x="connsiteX17" y="connsiteY17"/>
+              </a:cxn>
+              <a:cxn ang="0">
+                <a:pos x="connsiteX18" y="connsiteY18"/>
+              </a:cxn>
+              <a:cxn ang="0">
+                <a:pos x="connsiteX19" y="connsiteY19"/>
+              </a:cxn>
+              <a:cxn ang="0">
+                <a:pos x="connsiteX20" y="connsiteY20"/>
+              </a:cxn>
+              <a:cxn ang="0">
+                <a:pos x="connsiteX21" y="connsiteY21"/>
+              </a:cxn>
+              <a:cxn ang="0">
+                <a:pos x="connsiteX22" y="connsiteY22"/>
+              </a:cxn>
+            </a:cxnLst>
+            <a:rect l="l" t="t" r="r" b="b"/>
+            <a:pathLst>
+              <a:path w="12191999" h="5166360">
+                <a:moveTo>
+                  <a:pt x="0" y="0"/>
+                </a:moveTo>
+                <a:lnTo>
+                  <a:pt x="1822388" y="0"/>
+                </a:lnTo>
+                <a:lnTo>
+                  <a:pt x="6468290" y="0"/>
+                </a:lnTo>
+                <a:lnTo>
+                  <a:pt x="7796394" y="0"/>
+                </a:lnTo>
+                <a:lnTo>
+                  <a:pt x="8376834" y="0"/>
+                </a:lnTo>
+                <a:lnTo>
+                  <a:pt x="9704938" y="0"/>
+                </a:lnTo>
+                <a:lnTo>
+                  <a:pt x="9704938" y="2"/>
+                </a:lnTo>
+                <a:lnTo>
+                  <a:pt x="10283456" y="2"/>
+                </a:lnTo>
+                <a:lnTo>
+                  <a:pt x="10863897" y="2"/>
+                </a:lnTo>
+                <a:lnTo>
+                  <a:pt x="12191999" y="2"/>
+                </a:lnTo>
+                <a:lnTo>
+                  <a:pt x="12191999" y="5166360"/>
+                </a:lnTo>
+                <a:lnTo>
+                  <a:pt x="0" y="5166360"/>
+                </a:lnTo>
+                <a:lnTo>
+                  <a:pt x="0" y="2604436"/>
+                </a:lnTo>
+                <a:lnTo>
+                  <a:pt x="862341" y="743371"/>
+                </a:lnTo>
+                <a:lnTo>
+                  <a:pt x="0" y="743371"/>
+                </a:lnTo>
+                <a:lnTo>
+                  <a:pt x="0" y="742508"/>
+                </a:lnTo>
+                <a:lnTo>
+                  <a:pt x="92826" y="742508"/>
+                </a:lnTo>
+                <a:lnTo>
+                  <a:pt x="406486" y="742508"/>
+                </a:lnTo>
+                <a:lnTo>
+                  <a:pt x="406486" y="742507"/>
+                </a:lnTo>
+                <a:lnTo>
+                  <a:pt x="862741" y="742507"/>
+                </a:lnTo>
+                <a:lnTo>
+                  <a:pt x="1206388" y="864"/>
+                </a:lnTo>
+                <a:lnTo>
+                  <a:pt x="748500" y="864"/>
+                </a:lnTo>
+                <a:lnTo>
+                  <a:pt x="0" y="864"/>
+                </a:lnTo>
+                <a:close/>
+              </a:path>
+            </a:pathLst>
+          </a:custGeom>
+          <a:solidFill>
+            <a:srgbClr val="A6A6A6">
+              <a:alpha val="49804"/>
+            </a:srgbClr>
+          </a:solidFill>
+          <a:ln>
+            <a:noFill/>
+          </a:ln>
+        </p:spPr>
+        <p:style>
+          <a:lnRef idx="2">
+            <a:schemeClr val="accent1">
+              <a:shade val="50000"/>
+            </a:schemeClr>
+          </a:lnRef>
+          <a:fillRef idx="1">
+            <a:schemeClr val="accent1"/>
+          </a:fillRef>
+          <a:effectRef idx="0">
+            <a:schemeClr val="accent1"/>
+          </a:effectRef>
+          <a:fontRef idx="minor">
+            <a:schemeClr val="lt1"/>
+          </a:fontRef>
+        </p:style>
+        <p:txBody>
+          <a:bodyPr wrap="square" rtlCol="0" anchor="ctr">
+            <a:noAutofit/>
+          </a:bodyPr>
+          <a:lstStyle/>
+          <a:p>
+            <a:pPr algn="ctr"/>
+            <a:endParaRPr lang="en-US"/>
+          </a:p>
+        </p:txBody>
+      </p:sp>
+      <p:sp>
+        <p:nvSpPr>
+          <p:cNvPr id="12" name="Freeform: Shape 11">
+            <a:extLst>
+              <a:ext uri="{FF2B5EF4-FFF2-40B4-BE49-F238E27FC236}">
+                <a16:creationId xmlns:a16="http://schemas.microsoft.com/office/drawing/2014/main" id="{479F5F2B-8B58-4140-AE6A-51F6C67B18D9}"/>
+              </a:ext>
+              <a:ext uri="{C183D7F6-B498-43B3-948B-1728B52AA6E4}">
+                <adec:decorative xmlns:adec="http://schemas.microsoft.com/office/drawing/2017/decorative" val="1"/>
+              </a:ext>
+            </a:extLst>
+          </p:cNvPr>
+          <p:cNvSpPr>
+            <a:spLocks noGrp="1" noRot="1" noChangeAspect="1" noMove="1" noResize="1" noEditPoints="1" noAdjustHandles="1" noChangeArrowheads="1" noChangeShapeType="1" noTextEdit="1"/>
+          </p:cNvSpPr>
+          <p:nvPr>
+            <p:extLst>
+              <p:ext uri="{386F3935-93C4-4BCD-93E2-E3B085C9AB24}">
+                <p16:designElem xmlns:p16="http://schemas.microsoft.com/office/powerpoint/2015/main" val="1"/>
+              </p:ext>
+            </p:extLst>
+          </p:nvPr>
+        </p:nvSpPr>
+        <p:spPr>
+          <a:xfrm>
+            <a:off x="0" y="1691641"/>
+            <a:ext cx="971654" cy="2096979"/>
+          </a:xfrm>
+          <a:custGeom>
+            <a:avLst/>
+            <a:gdLst>
+              <a:gd name="connsiteX0" fmla="*/ 0 w 971654"/>
+              <a:gd name="connsiteY0" fmla="*/ 0 h 2096979"/>
+              <a:gd name="connsiteX1" fmla="*/ 971654 w 971654"/>
+              <a:gd name="connsiteY1" fmla="*/ 0 h 2096979"/>
+              <a:gd name="connsiteX2" fmla="*/ 0 w 971654"/>
+              <a:gd name="connsiteY2" fmla="*/ 2096979 h 2096979"/>
+            </a:gdLst>
+            <a:ahLst/>
+            <a:cxnLst>
+              <a:cxn ang="0">
+                <a:pos x="connsiteX0" y="connsiteY0"/>
+              </a:cxn>
+              <a:cxn ang="0">
+                <a:pos x="connsiteX1" y="connsiteY1"/>
+              </a:cxn>
+              <a:cxn ang="0">
+                <a:pos x="connsiteX2" y="connsiteY2"/>
+              </a:cxn>
+            </a:cxnLst>
+            <a:rect l="l" t="t" r="r" b="b"/>
+            <a:pathLst>
+              <a:path w="971654" h="2096979">
+                <a:moveTo>
+                  <a:pt x="0" y="0"/>
+                </a:moveTo>
+                <a:lnTo>
+                  <a:pt x="971654" y="0"/>
+                </a:lnTo>
+                <a:lnTo>
+                  <a:pt x="0" y="2096979"/>
+                </a:lnTo>
+                <a:close/>
+              </a:path>
+            </a:pathLst>
+          </a:custGeom>
+          <a:solidFill>
+            <a:srgbClr val="404040"/>
+          </a:solidFill>
+          <a:ln>
+            <a:noFill/>
+          </a:ln>
+        </p:spPr>
+        <p:style>
+          <a:lnRef idx="2">
+            <a:schemeClr val="accent1">
+              <a:shade val="50000"/>
+            </a:schemeClr>
+          </a:lnRef>
+          <a:fillRef idx="1">
+            <a:schemeClr val="accent1"/>
+          </a:fillRef>
+          <a:effectRef idx="0">
+            <a:schemeClr val="accent1"/>
+          </a:effectRef>
+          <a:fontRef idx="minor">
+            <a:schemeClr val="lt1"/>
+          </a:fontRef>
+        </p:style>
+        <p:txBody>
+          <a:bodyPr wrap="square" rtlCol="0" anchor="ctr">
+            <a:noAutofit/>
+          </a:bodyPr>
+          <a:lstStyle/>
+          <a:p>
+            <a:pPr algn="ctr"/>
+            <a:endParaRPr lang="en-US"/>
+          </a:p>
+        </p:txBody>
+      </p:sp>
+      <p:sp>
+        <p:nvSpPr>
+          <p:cNvPr id="3" name="Content Placeholder 2">
+            <a:extLst>
+              <a:ext uri="{FF2B5EF4-FFF2-40B4-BE49-F238E27FC236}">
+                <a16:creationId xmlns:a16="http://schemas.microsoft.com/office/drawing/2014/main" id="{F4E2FDF2-8EF7-4028-AA46-08D8DF6AFAB1}"/>
+              </a:ext>
+            </a:extLst>
+          </p:cNvPr>
+          <p:cNvSpPr>
+            <a:spLocks noGrp="1"/>
+          </p:cNvSpPr>
+          <p:nvPr>
+            <p:ph idx="1"/>
+          </p:nvPr>
+        </p:nvSpPr>
+        <p:spPr>
+          <a:xfrm>
+            <a:off x="1653363" y="2176272"/>
+            <a:ext cx="9367204" cy="4041648"/>
+          </a:xfrm>
+        </p:spPr>
+        <p:txBody>
+          <a:bodyPr anchor="t">
+            <a:normAutofit/>
+          </a:bodyPr>
+          <a:lstStyle/>
+          <a:p>
+            <a:r>
+              <a:rPr lang="en-US" sz="2400"/>
+              <a:t>Things we wish we could have done or wish we had done better</a:t>
+            </a:r>
+          </a:p>
+        </p:txBody>
+      </p:sp>
+    </p:spTree>
+    <p:extLst>
+      <p:ext uri="{BB962C8B-B14F-4D97-AF65-F5344CB8AC3E}">
+        <p14:creationId xmlns:p14="http://schemas.microsoft.com/office/powerpoint/2010/main" val="469866280"/>
       </p:ext>
     </p:extLst>
   </p:cSld>
@@ -7309,7 +7893,7 @@
         </p:nvSpPr>
         <p:spPr>
           <a:xfrm>
-            <a:off x="1653363" y="2176272"/>
+            <a:off x="1653362" y="2167394"/>
             <a:ext cx="9367204" cy="4041648"/>
           </a:xfrm>
         </p:spPr>
@@ -7331,10 +7915,102 @@
             <a:pPr marL="457200" indent="-457200">
               <a:buAutoNum type="arabicPeriod"/>
             </a:pPr>
+            <a:r>
+              <a:rPr lang="en-US" sz="2400" dirty="0"/>
+              <a:t>Convert multiple CSV files into one</a:t>
+            </a:r>
+          </a:p>
+          <a:p>
+            <a:pPr marL="457200" indent="-457200">
+              <a:buAutoNum type="arabicPeriod"/>
+            </a:pPr>
+            <a:r>
+              <a:rPr lang="en-US" sz="2400" dirty="0"/>
+              <a:t>Use Python to send CSV data to MONGO database</a:t>
+            </a:r>
+          </a:p>
+          <a:p>
+            <a:pPr marL="457200" indent="-457200">
+              <a:buAutoNum type="arabicPeriod"/>
+            </a:pPr>
+            <a:r>
+              <a:rPr lang="en-US" sz="2400" dirty="0"/>
+              <a:t>Use Flask to create RESTful API</a:t>
+            </a:r>
+          </a:p>
+          <a:p>
+            <a:pPr marL="457200" indent="-457200">
+              <a:buAutoNum type="arabicPeriod"/>
+            </a:pPr>
+            <a:r>
+              <a:rPr lang="en-US" sz="2400" dirty="0"/>
+              <a:t>Use JavaScript, D3, </a:t>
+            </a:r>
+            <a:r>
+              <a:rPr lang="en-US" sz="2400" dirty="0" err="1"/>
+              <a:t>plotly</a:t>
+            </a:r>
+            <a:r>
+              <a:rPr lang="en-US" sz="2400" dirty="0"/>
+              <a:t>, and Chart.js to manipulate and plot the data</a:t>
+            </a:r>
+          </a:p>
+          <a:p>
+            <a:pPr marL="457200" indent="-457200">
+              <a:buAutoNum type="arabicPeriod"/>
+            </a:pPr>
+            <a:r>
+              <a:rPr lang="en-US" sz="2400" dirty="0"/>
+              <a:t>Use HTML and CSS to display visualizations</a:t>
+            </a:r>
+          </a:p>
+          <a:p>
+            <a:pPr marL="457200" indent="-457200">
+              <a:buAutoNum type="arabicPeriod"/>
+            </a:pPr>
+            <a:r>
+              <a:rPr lang="en-US" sz="2400" dirty="0"/>
+              <a:t>Use Atlas to deploy our database, and Heroku to deploy application</a:t>
+            </a:r>
+          </a:p>
+          <a:p>
+            <a:pPr marL="457200" indent="-457200">
+              <a:buAutoNum type="arabicPeriod"/>
+            </a:pPr>
             <a:endParaRPr lang="en-US" sz="2400" dirty="0"/>
           </a:p>
         </p:txBody>
       </p:sp>
+      <p:pic>
+        <p:nvPicPr>
+          <p:cNvPr id="4" name="Picture 3">
+            <a:extLst>
+              <a:ext uri="{FF2B5EF4-FFF2-40B4-BE49-F238E27FC236}">
+                <a16:creationId xmlns:a16="http://schemas.microsoft.com/office/drawing/2014/main" id="{A44B2C73-42BD-47BF-AB07-4CCD6C11C7B1}"/>
+              </a:ext>
+            </a:extLst>
+          </p:cNvPr>
+          <p:cNvPicPr>
+            <a:picLocks noChangeAspect="1"/>
+          </p:cNvPicPr>
+          <p:nvPr/>
+        </p:nvPicPr>
+        <p:blipFill>
+          <a:blip r:embed="rId2"/>
+          <a:stretch>
+            <a:fillRect/>
+          </a:stretch>
+        </p:blipFill>
+        <p:spPr>
+          <a:xfrm>
+            <a:off x="3739766" y="5268031"/>
+            <a:ext cx="4712467" cy="1508689"/>
+          </a:xfrm>
+          <a:prstGeom prst="rect">
+            <a:avLst/>
+          </a:prstGeom>
+        </p:spPr>
+      </p:pic>
     </p:spTree>
     <p:extLst>
       <p:ext uri="{BB962C8B-B14F-4D97-AF65-F5344CB8AC3E}">
@@ -7403,8 +8079,13 @@
           <a:p>
             <a:r>
               <a:rPr lang="en-US" dirty="0"/>
-              <a:t>End Product</a:t>
-            </a:r>
+              <a:t>End Product: D3/</a:t>
+            </a:r>
+            <a:r>
+              <a:rPr lang="en-US" dirty="0" err="1"/>
+              <a:t>plotly</a:t>
+            </a:r>
+            <a:endParaRPr lang="en-US" dirty="0"/>
           </a:p>
         </p:txBody>
       </p:sp>
@@ -7966,6 +8647,137 @@
 <file path=ppt/slides/slide8.xml><?xml version="1.0" encoding="utf-8"?>
 <p:sld xmlns:a="http://schemas.openxmlformats.org/drawingml/2006/main" xmlns:r="http://schemas.openxmlformats.org/officeDocument/2006/relationships" xmlns:p="http://schemas.openxmlformats.org/presentationml/2006/main">
   <p:cSld>
+    <p:spTree>
+      <p:nvGrpSpPr>
+        <p:cNvPr id="1" name=""/>
+        <p:cNvGrpSpPr/>
+        <p:nvPr/>
+      </p:nvGrpSpPr>
+      <p:grpSpPr>
+        <a:xfrm>
+          <a:off x="0" y="0"/>
+          <a:ext cx="0" cy="0"/>
+          <a:chOff x="0" y="0"/>
+          <a:chExt cx="0" cy="0"/>
+        </a:xfrm>
+      </p:grpSpPr>
+      <p:pic>
+        <p:nvPicPr>
+          <p:cNvPr id="6" name="Picture 5">
+            <a:extLst>
+              <a:ext uri="{FF2B5EF4-FFF2-40B4-BE49-F238E27FC236}">
+                <a16:creationId xmlns:a16="http://schemas.microsoft.com/office/drawing/2014/main" id="{230F7164-D71A-4AEB-A70B-263A68627F69}"/>
+              </a:ext>
+            </a:extLst>
+          </p:cNvPr>
+          <p:cNvPicPr>
+            <a:picLocks noChangeAspect="1"/>
+          </p:cNvPicPr>
+          <p:nvPr/>
+        </p:nvPicPr>
+        <p:blipFill>
+          <a:blip r:embed="rId2"/>
+          <a:stretch>
+            <a:fillRect/>
+          </a:stretch>
+        </p:blipFill>
+        <p:spPr>
+          <a:xfrm>
+            <a:off x="0" y="-24385"/>
+            <a:ext cx="12192000" cy="6902283"/>
+          </a:xfrm>
+          <a:prstGeom prst="rect">
+            <a:avLst/>
+          </a:prstGeom>
+        </p:spPr>
+      </p:pic>
+      <p:sp>
+        <p:nvSpPr>
+          <p:cNvPr id="11" name="Title 1">
+            <a:extLst>
+              <a:ext uri="{FF2B5EF4-FFF2-40B4-BE49-F238E27FC236}">
+                <a16:creationId xmlns:a16="http://schemas.microsoft.com/office/drawing/2014/main" id="{346FF8A0-4DD2-4775-ACF4-E26E6F7F3284}"/>
+              </a:ext>
+            </a:extLst>
+          </p:cNvPr>
+          <p:cNvSpPr>
+            <a:spLocks noGrp="1"/>
+          </p:cNvSpPr>
+          <p:nvPr>
+            <p:ph type="title"/>
+          </p:nvPr>
+        </p:nvSpPr>
+        <p:spPr>
+          <a:xfrm>
+            <a:off x="1653363" y="365760"/>
+            <a:ext cx="9367203" cy="1188720"/>
+          </a:xfrm>
+        </p:spPr>
+        <p:txBody>
+          <a:bodyPr>
+            <a:normAutofit/>
+          </a:bodyPr>
+          <a:lstStyle/>
+          <a:p>
+            <a:r>
+              <a:rPr lang="en-US" dirty="0"/>
+              <a:t>End Product: Chart.js</a:t>
+            </a:r>
+          </a:p>
+        </p:txBody>
+      </p:sp>
+      <p:pic>
+        <p:nvPicPr>
+          <p:cNvPr id="13" name="Picture 12" descr="Chart, line chart&#10;&#10;Description automatically generated">
+            <a:extLst>
+              <a:ext uri="{FF2B5EF4-FFF2-40B4-BE49-F238E27FC236}">
+                <a16:creationId xmlns:a16="http://schemas.microsoft.com/office/drawing/2014/main" id="{4DFC07CD-4100-47BE-8AB4-2D0A85EEDB8D}"/>
+              </a:ext>
+            </a:extLst>
+          </p:cNvPr>
+          <p:cNvPicPr>
+            <a:picLocks noChangeAspect="1"/>
+          </p:cNvPicPr>
+          <p:nvPr/>
+        </p:nvPicPr>
+        <p:blipFill>
+          <a:blip r:embed="rId3">
+            <a:extLst>
+              <a:ext uri="{28A0092B-C50C-407E-A947-70E740481C1C}">
+                <a14:useLocalDpi xmlns:a14="http://schemas.microsoft.com/office/drawing/2010/main" val="0"/>
+              </a:ext>
+            </a:extLst>
+          </a:blip>
+          <a:stretch>
+            <a:fillRect/>
+          </a:stretch>
+        </p:blipFill>
+        <p:spPr>
+          <a:xfrm>
+            <a:off x="970216" y="2349626"/>
+            <a:ext cx="10663827" cy="3782949"/>
+          </a:xfrm>
+          <a:prstGeom prst="rect">
+            <a:avLst/>
+          </a:prstGeom>
+        </p:spPr>
+      </p:pic>
+    </p:spTree>
+    <p:extLst>
+      <p:ext uri="{BB962C8B-B14F-4D97-AF65-F5344CB8AC3E}">
+        <p14:creationId xmlns:p14="http://schemas.microsoft.com/office/powerpoint/2010/main" val="3373086479"/>
+      </p:ext>
+    </p:extLst>
+  </p:cSld>
+  <p:clrMapOvr>
+    <a:masterClrMapping/>
+  </p:clrMapOvr>
+</p:sld>
+</file>
+
+<file path=ppt/slides/slide9.xml><?xml version="1.0" encoding="utf-8"?>
+<p:sld xmlns:a="http://schemas.openxmlformats.org/drawingml/2006/main" xmlns:r="http://schemas.openxmlformats.org/officeDocument/2006/relationships" xmlns:p="http://schemas.openxmlformats.org/presentationml/2006/main">
+  <p:cSld>
     <p:bg>
       <p:bgPr>
         <a:solidFill>
@@ -7988,41 +8800,6 @@
           <a:chExt cx="0" cy="0"/>
         </a:xfrm>
       </p:grpSpPr>
-      <p:sp>
-        <p:nvSpPr>
-          <p:cNvPr id="2" name="Title 1">
-            <a:extLst>
-              <a:ext uri="{FF2B5EF4-FFF2-40B4-BE49-F238E27FC236}">
-                <a16:creationId xmlns:a16="http://schemas.microsoft.com/office/drawing/2014/main" id="{E4FD62AE-EEEC-4634-98B9-709A846CA77B}"/>
-              </a:ext>
-            </a:extLst>
-          </p:cNvPr>
-          <p:cNvSpPr>
-            <a:spLocks noGrp="1"/>
-          </p:cNvSpPr>
-          <p:nvPr>
-            <p:ph type="title"/>
-          </p:nvPr>
-        </p:nvSpPr>
-        <p:spPr>
-          <a:xfrm>
-            <a:off x="1653363" y="365760"/>
-            <a:ext cx="9367203" cy="1188720"/>
-          </a:xfrm>
-        </p:spPr>
-        <p:txBody>
-          <a:bodyPr>
-            <a:normAutofit/>
-          </a:bodyPr>
-          <a:lstStyle/>
-          <a:p>
-            <a:r>
-              <a:rPr lang="en-US" dirty="0"/>
-              <a:t>Challenges</a:t>
-            </a:r>
-          </a:p>
-        </p:txBody>
-      </p:sp>
       <p:sp>
         <p:nvSpPr>
           <p:cNvPr id="8" name="Freeform: Shape 7">
@@ -8495,33 +9272,55 @@
       </p:sp>
       <p:sp>
         <p:nvSpPr>
-          <p:cNvPr id="3" name="Content Placeholder 2">
-            <a:extLst>
-              <a:ext uri="{FF2B5EF4-FFF2-40B4-BE49-F238E27FC236}">
-                <a16:creationId xmlns:a16="http://schemas.microsoft.com/office/drawing/2014/main" id="{B35EAE25-4DAF-4D08-8814-9C210DCA5BD4}"/>
-              </a:ext>
-            </a:extLst>
-          </p:cNvPr>
-          <p:cNvSpPr>
-            <a:spLocks noGrp="1"/>
-          </p:cNvSpPr>
-          <p:nvPr>
-            <p:ph idx="1"/>
-          </p:nvPr>
+          <p:cNvPr id="6" name="Title 1">
+            <a:extLst>
+              <a:ext uri="{FF2B5EF4-FFF2-40B4-BE49-F238E27FC236}">
+                <a16:creationId xmlns:a16="http://schemas.microsoft.com/office/drawing/2014/main" id="{E4C8F614-F175-4FBB-9359-CD9FC2CA3F6C}"/>
+              </a:ext>
+            </a:extLst>
+          </p:cNvPr>
+          <p:cNvSpPr txBox="1">
+            <a:spLocks/>
+          </p:cNvSpPr>
+          <p:nvPr/>
         </p:nvSpPr>
         <p:spPr>
           <a:xfrm>
-            <a:off x="1653363" y="2176272"/>
-            <a:ext cx="9367204" cy="4041648"/>
+            <a:off x="1610691" y="369492"/>
+            <a:ext cx="9367203" cy="1188720"/>
           </a:xfrm>
+          <a:prstGeom prst="rect">
+            <a:avLst/>
+          </a:prstGeom>
         </p:spPr>
         <p:txBody>
-          <a:bodyPr anchor="t">
+          <a:bodyPr vert="horz" lIns="91440" tIns="45720" rIns="91440" bIns="45720" rtlCol="0" anchor="ctr">
             <a:normAutofit/>
           </a:bodyPr>
-          <a:lstStyle/>
-          <a:p>
-            <a:endParaRPr lang="en-US" sz="2400"/>
+          <a:lstStyle>
+            <a:lvl1pPr algn="l" defTabSz="914400" rtl="0" eaLnBrk="1" latinLnBrk="0" hangingPunct="1">
+              <a:lnSpc>
+                <a:spcPct val="90000"/>
+              </a:lnSpc>
+              <a:spcBef>
+                <a:spcPct val="0"/>
+              </a:spcBef>
+              <a:buNone/>
+              <a:defRPr sz="4400" kern="1200">
+                <a:solidFill>
+                  <a:schemeClr val="tx1"/>
+                </a:solidFill>
+                <a:latin typeface="+mj-lt"/>
+                <a:ea typeface="+mj-ea"/>
+                <a:cs typeface="+mj-cs"/>
+              </a:defRPr>
+            </a:lvl1pPr>
+          </a:lstStyle>
+          <a:p>
+            <a:r>
+              <a:rPr lang="en-US" dirty="0"/>
+              <a:t>Challenges</a:t>
+            </a:r>
           </a:p>
         </p:txBody>
       </p:sp>
@@ -8529,584 +9328,6 @@
     <p:extLst>
       <p:ext uri="{BB962C8B-B14F-4D97-AF65-F5344CB8AC3E}">
         <p14:creationId xmlns:p14="http://schemas.microsoft.com/office/powerpoint/2010/main" val="1230054945"/>
-      </p:ext>
-    </p:extLst>
-  </p:cSld>
-  <p:clrMapOvr>
-    <a:masterClrMapping/>
-  </p:clrMapOvr>
-</p:sld>
-</file>
-
-<file path=ppt/slides/slide9.xml><?xml version="1.0" encoding="utf-8"?>
-<p:sld xmlns:a="http://schemas.openxmlformats.org/drawingml/2006/main" xmlns:r="http://schemas.openxmlformats.org/officeDocument/2006/relationships" xmlns:p="http://schemas.openxmlformats.org/presentationml/2006/main">
-  <p:cSld>
-    <p:bg>
-      <p:bgPr>
-        <a:solidFill>
-          <a:schemeClr val="bg1"/>
-        </a:solidFill>
-        <a:effectLst/>
-      </p:bgPr>
-    </p:bg>
-    <p:spTree>
-      <p:nvGrpSpPr>
-        <p:cNvPr id="1" name=""/>
-        <p:cNvGrpSpPr/>
-        <p:nvPr/>
-      </p:nvGrpSpPr>
-      <p:grpSpPr>
-        <a:xfrm>
-          <a:off x="0" y="0"/>
-          <a:ext cx="0" cy="0"/>
-          <a:chOff x="0" y="0"/>
-          <a:chExt cx="0" cy="0"/>
-        </a:xfrm>
-      </p:grpSpPr>
-      <p:sp>
-        <p:nvSpPr>
-          <p:cNvPr id="2" name="Title 1">
-            <a:extLst>
-              <a:ext uri="{FF2B5EF4-FFF2-40B4-BE49-F238E27FC236}">
-                <a16:creationId xmlns:a16="http://schemas.microsoft.com/office/drawing/2014/main" id="{4E61EA56-F763-4C2C-BED8-F886CED4AB59}"/>
-              </a:ext>
-            </a:extLst>
-          </p:cNvPr>
-          <p:cNvSpPr>
-            <a:spLocks noGrp="1"/>
-          </p:cNvSpPr>
-          <p:nvPr>
-            <p:ph type="title"/>
-          </p:nvPr>
-        </p:nvSpPr>
-        <p:spPr>
-          <a:xfrm>
-            <a:off x="1653363" y="365760"/>
-            <a:ext cx="9367203" cy="1188720"/>
-          </a:xfrm>
-        </p:spPr>
-        <p:txBody>
-          <a:bodyPr>
-            <a:normAutofit/>
-          </a:bodyPr>
-          <a:lstStyle/>
-          <a:p>
-            <a:r>
-              <a:rPr lang="en-US" dirty="0"/>
-              <a:t>Reflection</a:t>
-            </a:r>
-          </a:p>
-        </p:txBody>
-      </p:sp>
-      <p:sp>
-        <p:nvSpPr>
-          <p:cNvPr id="8" name="Freeform: Shape 7">
-            <a:extLst>
-              <a:ext uri="{FF2B5EF4-FFF2-40B4-BE49-F238E27FC236}">
-                <a16:creationId xmlns:a16="http://schemas.microsoft.com/office/drawing/2014/main" id="{7CB4857B-ED7C-444D-9F04-2F885114A1C2}"/>
-              </a:ext>
-              <a:ext uri="{C183D7F6-B498-43B3-948B-1728B52AA6E4}">
-                <adec:decorative xmlns:adec="http://schemas.microsoft.com/office/drawing/2017/decorative" val="1"/>
-              </a:ext>
-            </a:extLst>
-          </p:cNvPr>
-          <p:cNvSpPr>
-            <a:spLocks noGrp="1" noRot="1" noChangeAspect="1" noMove="1" noResize="1" noEditPoints="1" noAdjustHandles="1" noChangeArrowheads="1" noChangeShapeType="1" noTextEdit="1"/>
-          </p:cNvSpPr>
-          <p:nvPr>
-            <p:extLst>
-              <p:ext uri="{386F3935-93C4-4BCD-93E2-E3B085C9AB24}">
-                <p16:designElem xmlns:p16="http://schemas.microsoft.com/office/powerpoint/2015/main" val="1"/>
-              </p:ext>
-            </p:extLst>
-          </p:nvPr>
-        </p:nvSpPr>
-        <p:spPr>
-          <a:xfrm>
-            <a:off x="1" y="0"/>
-            <a:ext cx="1764099" cy="1558212"/>
-          </a:xfrm>
-          <a:custGeom>
-            <a:avLst/>
-            <a:gdLst>
-              <a:gd name="connsiteX0" fmla="*/ 0 w 1764099"/>
-              <a:gd name="connsiteY0" fmla="*/ 0 h 1558212"/>
-              <a:gd name="connsiteX1" fmla="*/ 1764099 w 1764099"/>
-              <a:gd name="connsiteY1" fmla="*/ 0 h 1558212"/>
-              <a:gd name="connsiteX2" fmla="*/ 1042087 w 1764099"/>
-              <a:gd name="connsiteY2" fmla="*/ 1558212 h 1558212"/>
-              <a:gd name="connsiteX3" fmla="*/ 0 w 1764099"/>
-              <a:gd name="connsiteY3" fmla="*/ 1558212 h 1558212"/>
-            </a:gdLst>
-            <a:ahLst/>
-            <a:cxnLst>
-              <a:cxn ang="0">
-                <a:pos x="connsiteX0" y="connsiteY0"/>
-              </a:cxn>
-              <a:cxn ang="0">
-                <a:pos x="connsiteX1" y="connsiteY1"/>
-              </a:cxn>
-              <a:cxn ang="0">
-                <a:pos x="connsiteX2" y="connsiteY2"/>
-              </a:cxn>
-              <a:cxn ang="0">
-                <a:pos x="connsiteX3" y="connsiteY3"/>
-              </a:cxn>
-            </a:cxnLst>
-            <a:rect l="l" t="t" r="r" b="b"/>
-            <a:pathLst>
-              <a:path w="1764099" h="1558212">
-                <a:moveTo>
-                  <a:pt x="0" y="0"/>
-                </a:moveTo>
-                <a:lnTo>
-                  <a:pt x="1764099" y="0"/>
-                </a:lnTo>
-                <a:lnTo>
-                  <a:pt x="1042087" y="1558212"/>
-                </a:lnTo>
-                <a:lnTo>
-                  <a:pt x="0" y="1558212"/>
-                </a:lnTo>
-                <a:close/>
-              </a:path>
-            </a:pathLst>
-          </a:custGeom>
-          <a:solidFill>
-            <a:schemeClr val="accent4"/>
-          </a:solidFill>
-          <a:ln>
-            <a:noFill/>
-          </a:ln>
-        </p:spPr>
-        <p:style>
-          <a:lnRef idx="2">
-            <a:schemeClr val="accent1">
-              <a:shade val="50000"/>
-            </a:schemeClr>
-          </a:lnRef>
-          <a:fillRef idx="1">
-            <a:schemeClr val="accent1"/>
-          </a:fillRef>
-          <a:effectRef idx="0">
-            <a:schemeClr val="accent1"/>
-          </a:effectRef>
-          <a:fontRef idx="minor">
-            <a:schemeClr val="lt1"/>
-          </a:fontRef>
-        </p:style>
-        <p:txBody>
-          <a:bodyPr wrap="square" rtlCol="0" anchor="ctr">
-            <a:noAutofit/>
-          </a:bodyPr>
-          <a:lstStyle/>
-          <a:p>
-            <a:pPr algn="ctr"/>
-            <a:endParaRPr lang="en-US"/>
-          </a:p>
-        </p:txBody>
-      </p:sp>
-      <p:sp>
-        <p:nvSpPr>
-          <p:cNvPr id="10" name="Freeform: Shape 9">
-            <a:extLst>
-              <a:ext uri="{FF2B5EF4-FFF2-40B4-BE49-F238E27FC236}">
-                <a16:creationId xmlns:a16="http://schemas.microsoft.com/office/drawing/2014/main" id="{D18046FB-44EA-4FD8-A585-EA09A319B2D0}"/>
-              </a:ext>
-              <a:ext uri="{C183D7F6-B498-43B3-948B-1728B52AA6E4}">
-                <adec:decorative xmlns:adec="http://schemas.microsoft.com/office/drawing/2017/decorative" val="1"/>
-              </a:ext>
-            </a:extLst>
-          </p:cNvPr>
-          <p:cNvSpPr>
-            <a:spLocks noGrp="1" noRot="1" noChangeAspect="1" noMove="1" noResize="1" noEditPoints="1" noAdjustHandles="1" noChangeArrowheads="1" noChangeShapeType="1" noTextEdit="1"/>
-          </p:cNvSpPr>
-          <p:nvPr>
-            <p:extLst>
-              <p:ext uri="{386F3935-93C4-4BCD-93E2-E3B085C9AB24}">
-                <p16:designElem xmlns:p16="http://schemas.microsoft.com/office/powerpoint/2015/main" val="1"/>
-              </p:ext>
-            </p:extLst>
-          </p:nvPr>
-        </p:nvSpPr>
-        <p:spPr>
-          <a:xfrm>
-            <a:off x="1" y="1691640"/>
-            <a:ext cx="12191999" cy="5166360"/>
-          </a:xfrm>
-          <a:custGeom>
-            <a:avLst/>
-            <a:gdLst>
-              <a:gd name="connsiteX0" fmla="*/ 0 w 12191999"/>
-              <a:gd name="connsiteY0" fmla="*/ 0 h 5166360"/>
-              <a:gd name="connsiteX1" fmla="*/ 1822388 w 12191999"/>
-              <a:gd name="connsiteY1" fmla="*/ 0 h 5166360"/>
-              <a:gd name="connsiteX2" fmla="*/ 6468290 w 12191999"/>
-              <a:gd name="connsiteY2" fmla="*/ 0 h 5166360"/>
-              <a:gd name="connsiteX3" fmla="*/ 7796394 w 12191999"/>
-              <a:gd name="connsiteY3" fmla="*/ 0 h 5166360"/>
-              <a:gd name="connsiteX4" fmla="*/ 8376834 w 12191999"/>
-              <a:gd name="connsiteY4" fmla="*/ 0 h 5166360"/>
-              <a:gd name="connsiteX5" fmla="*/ 9704938 w 12191999"/>
-              <a:gd name="connsiteY5" fmla="*/ 0 h 5166360"/>
-              <a:gd name="connsiteX6" fmla="*/ 9704938 w 12191999"/>
-              <a:gd name="connsiteY6" fmla="*/ 2 h 5166360"/>
-              <a:gd name="connsiteX7" fmla="*/ 10283456 w 12191999"/>
-              <a:gd name="connsiteY7" fmla="*/ 2 h 5166360"/>
-              <a:gd name="connsiteX8" fmla="*/ 10863897 w 12191999"/>
-              <a:gd name="connsiteY8" fmla="*/ 2 h 5166360"/>
-              <a:gd name="connsiteX9" fmla="*/ 12191999 w 12191999"/>
-              <a:gd name="connsiteY9" fmla="*/ 2 h 5166360"/>
-              <a:gd name="connsiteX10" fmla="*/ 12191999 w 12191999"/>
-              <a:gd name="connsiteY10" fmla="*/ 5166360 h 5166360"/>
-              <a:gd name="connsiteX11" fmla="*/ 0 w 12191999"/>
-              <a:gd name="connsiteY11" fmla="*/ 5166360 h 5166360"/>
-              <a:gd name="connsiteX12" fmla="*/ 0 w 12191999"/>
-              <a:gd name="connsiteY12" fmla="*/ 2604436 h 5166360"/>
-              <a:gd name="connsiteX13" fmla="*/ 862341 w 12191999"/>
-              <a:gd name="connsiteY13" fmla="*/ 743371 h 5166360"/>
-              <a:gd name="connsiteX14" fmla="*/ 0 w 12191999"/>
-              <a:gd name="connsiteY14" fmla="*/ 743371 h 5166360"/>
-              <a:gd name="connsiteX15" fmla="*/ 0 w 12191999"/>
-              <a:gd name="connsiteY15" fmla="*/ 742508 h 5166360"/>
-              <a:gd name="connsiteX16" fmla="*/ 92826 w 12191999"/>
-              <a:gd name="connsiteY16" fmla="*/ 742508 h 5166360"/>
-              <a:gd name="connsiteX17" fmla="*/ 406486 w 12191999"/>
-              <a:gd name="connsiteY17" fmla="*/ 742508 h 5166360"/>
-              <a:gd name="connsiteX18" fmla="*/ 406486 w 12191999"/>
-              <a:gd name="connsiteY18" fmla="*/ 742507 h 5166360"/>
-              <a:gd name="connsiteX19" fmla="*/ 862741 w 12191999"/>
-              <a:gd name="connsiteY19" fmla="*/ 742507 h 5166360"/>
-              <a:gd name="connsiteX20" fmla="*/ 1206388 w 12191999"/>
-              <a:gd name="connsiteY20" fmla="*/ 864 h 5166360"/>
-              <a:gd name="connsiteX21" fmla="*/ 748500 w 12191999"/>
-              <a:gd name="connsiteY21" fmla="*/ 864 h 5166360"/>
-              <a:gd name="connsiteX22" fmla="*/ 0 w 12191999"/>
-              <a:gd name="connsiteY22" fmla="*/ 864 h 5166360"/>
-            </a:gdLst>
-            <a:ahLst/>
-            <a:cxnLst>
-              <a:cxn ang="0">
-                <a:pos x="connsiteX0" y="connsiteY0"/>
-              </a:cxn>
-              <a:cxn ang="0">
-                <a:pos x="connsiteX1" y="connsiteY1"/>
-              </a:cxn>
-              <a:cxn ang="0">
-                <a:pos x="connsiteX2" y="connsiteY2"/>
-              </a:cxn>
-              <a:cxn ang="0">
-                <a:pos x="connsiteX3" y="connsiteY3"/>
-              </a:cxn>
-              <a:cxn ang="0">
-                <a:pos x="connsiteX4" y="connsiteY4"/>
-              </a:cxn>
-              <a:cxn ang="0">
-                <a:pos x="connsiteX5" y="connsiteY5"/>
-              </a:cxn>
-              <a:cxn ang="0">
-                <a:pos x="connsiteX6" y="connsiteY6"/>
-              </a:cxn>
-              <a:cxn ang="0">
-                <a:pos x="connsiteX7" y="connsiteY7"/>
-              </a:cxn>
-              <a:cxn ang="0">
-                <a:pos x="connsiteX8" y="connsiteY8"/>
-              </a:cxn>
-              <a:cxn ang="0">
-                <a:pos x="connsiteX9" y="connsiteY9"/>
-              </a:cxn>
-              <a:cxn ang="0">
-                <a:pos x="connsiteX10" y="connsiteY10"/>
-              </a:cxn>
-              <a:cxn ang="0">
-                <a:pos x="connsiteX11" y="connsiteY11"/>
-              </a:cxn>
-              <a:cxn ang="0">
-                <a:pos x="connsiteX12" y="connsiteY12"/>
-              </a:cxn>
-              <a:cxn ang="0">
-                <a:pos x="connsiteX13" y="connsiteY13"/>
-              </a:cxn>
-              <a:cxn ang="0">
-                <a:pos x="connsiteX14" y="connsiteY14"/>
-              </a:cxn>
-              <a:cxn ang="0">
-                <a:pos x="connsiteX15" y="connsiteY15"/>
-              </a:cxn>
-              <a:cxn ang="0">
-                <a:pos x="connsiteX16" y="connsiteY16"/>
-              </a:cxn>
-              <a:cxn ang="0">
-                <a:pos x="connsiteX17" y="connsiteY17"/>
-              </a:cxn>
-              <a:cxn ang="0">
-                <a:pos x="connsiteX18" y="connsiteY18"/>
-              </a:cxn>
-              <a:cxn ang="0">
-                <a:pos x="connsiteX19" y="connsiteY19"/>
-              </a:cxn>
-              <a:cxn ang="0">
-                <a:pos x="connsiteX20" y="connsiteY20"/>
-              </a:cxn>
-              <a:cxn ang="0">
-                <a:pos x="connsiteX21" y="connsiteY21"/>
-              </a:cxn>
-              <a:cxn ang="0">
-                <a:pos x="connsiteX22" y="connsiteY22"/>
-              </a:cxn>
-            </a:cxnLst>
-            <a:rect l="l" t="t" r="r" b="b"/>
-            <a:pathLst>
-              <a:path w="12191999" h="5166360">
-                <a:moveTo>
-                  <a:pt x="0" y="0"/>
-                </a:moveTo>
-                <a:lnTo>
-                  <a:pt x="1822388" y="0"/>
-                </a:lnTo>
-                <a:lnTo>
-                  <a:pt x="6468290" y="0"/>
-                </a:lnTo>
-                <a:lnTo>
-                  <a:pt x="7796394" y="0"/>
-                </a:lnTo>
-                <a:lnTo>
-                  <a:pt x="8376834" y="0"/>
-                </a:lnTo>
-                <a:lnTo>
-                  <a:pt x="9704938" y="0"/>
-                </a:lnTo>
-                <a:lnTo>
-                  <a:pt x="9704938" y="2"/>
-                </a:lnTo>
-                <a:lnTo>
-                  <a:pt x="10283456" y="2"/>
-                </a:lnTo>
-                <a:lnTo>
-                  <a:pt x="10863897" y="2"/>
-                </a:lnTo>
-                <a:lnTo>
-                  <a:pt x="12191999" y="2"/>
-                </a:lnTo>
-                <a:lnTo>
-                  <a:pt x="12191999" y="5166360"/>
-                </a:lnTo>
-                <a:lnTo>
-                  <a:pt x="0" y="5166360"/>
-                </a:lnTo>
-                <a:lnTo>
-                  <a:pt x="0" y="2604436"/>
-                </a:lnTo>
-                <a:lnTo>
-                  <a:pt x="862341" y="743371"/>
-                </a:lnTo>
-                <a:lnTo>
-                  <a:pt x="0" y="743371"/>
-                </a:lnTo>
-                <a:lnTo>
-                  <a:pt x="0" y="742508"/>
-                </a:lnTo>
-                <a:lnTo>
-                  <a:pt x="92826" y="742508"/>
-                </a:lnTo>
-                <a:lnTo>
-                  <a:pt x="406486" y="742508"/>
-                </a:lnTo>
-                <a:lnTo>
-                  <a:pt x="406486" y="742507"/>
-                </a:lnTo>
-                <a:lnTo>
-                  <a:pt x="862741" y="742507"/>
-                </a:lnTo>
-                <a:lnTo>
-                  <a:pt x="1206388" y="864"/>
-                </a:lnTo>
-                <a:lnTo>
-                  <a:pt x="748500" y="864"/>
-                </a:lnTo>
-                <a:lnTo>
-                  <a:pt x="0" y="864"/>
-                </a:lnTo>
-                <a:close/>
-              </a:path>
-            </a:pathLst>
-          </a:custGeom>
-          <a:solidFill>
-            <a:srgbClr val="A6A6A6">
-              <a:alpha val="49804"/>
-            </a:srgbClr>
-          </a:solidFill>
-          <a:ln>
-            <a:noFill/>
-          </a:ln>
-        </p:spPr>
-        <p:style>
-          <a:lnRef idx="2">
-            <a:schemeClr val="accent1">
-              <a:shade val="50000"/>
-            </a:schemeClr>
-          </a:lnRef>
-          <a:fillRef idx="1">
-            <a:schemeClr val="accent1"/>
-          </a:fillRef>
-          <a:effectRef idx="0">
-            <a:schemeClr val="accent1"/>
-          </a:effectRef>
-          <a:fontRef idx="minor">
-            <a:schemeClr val="lt1"/>
-          </a:fontRef>
-        </p:style>
-        <p:txBody>
-          <a:bodyPr wrap="square" rtlCol="0" anchor="ctr">
-            <a:noAutofit/>
-          </a:bodyPr>
-          <a:lstStyle/>
-          <a:p>
-            <a:pPr algn="ctr"/>
-            <a:endParaRPr lang="en-US"/>
-          </a:p>
-        </p:txBody>
-      </p:sp>
-      <p:sp>
-        <p:nvSpPr>
-          <p:cNvPr id="12" name="Freeform: Shape 11">
-            <a:extLst>
-              <a:ext uri="{FF2B5EF4-FFF2-40B4-BE49-F238E27FC236}">
-                <a16:creationId xmlns:a16="http://schemas.microsoft.com/office/drawing/2014/main" id="{479F5F2B-8B58-4140-AE6A-51F6C67B18D9}"/>
-              </a:ext>
-              <a:ext uri="{C183D7F6-B498-43B3-948B-1728B52AA6E4}">
-                <adec:decorative xmlns:adec="http://schemas.microsoft.com/office/drawing/2017/decorative" val="1"/>
-              </a:ext>
-            </a:extLst>
-          </p:cNvPr>
-          <p:cNvSpPr>
-            <a:spLocks noGrp="1" noRot="1" noChangeAspect="1" noMove="1" noResize="1" noEditPoints="1" noAdjustHandles="1" noChangeArrowheads="1" noChangeShapeType="1" noTextEdit="1"/>
-          </p:cNvSpPr>
-          <p:nvPr>
-            <p:extLst>
-              <p:ext uri="{386F3935-93C4-4BCD-93E2-E3B085C9AB24}">
-                <p16:designElem xmlns:p16="http://schemas.microsoft.com/office/powerpoint/2015/main" val="1"/>
-              </p:ext>
-            </p:extLst>
-          </p:nvPr>
-        </p:nvSpPr>
-        <p:spPr>
-          <a:xfrm>
-            <a:off x="0" y="1691641"/>
-            <a:ext cx="971654" cy="2096979"/>
-          </a:xfrm>
-          <a:custGeom>
-            <a:avLst/>
-            <a:gdLst>
-              <a:gd name="connsiteX0" fmla="*/ 0 w 971654"/>
-              <a:gd name="connsiteY0" fmla="*/ 0 h 2096979"/>
-              <a:gd name="connsiteX1" fmla="*/ 971654 w 971654"/>
-              <a:gd name="connsiteY1" fmla="*/ 0 h 2096979"/>
-              <a:gd name="connsiteX2" fmla="*/ 0 w 971654"/>
-              <a:gd name="connsiteY2" fmla="*/ 2096979 h 2096979"/>
-            </a:gdLst>
-            <a:ahLst/>
-            <a:cxnLst>
-              <a:cxn ang="0">
-                <a:pos x="connsiteX0" y="connsiteY0"/>
-              </a:cxn>
-              <a:cxn ang="0">
-                <a:pos x="connsiteX1" y="connsiteY1"/>
-              </a:cxn>
-              <a:cxn ang="0">
-                <a:pos x="connsiteX2" y="connsiteY2"/>
-              </a:cxn>
-            </a:cxnLst>
-            <a:rect l="l" t="t" r="r" b="b"/>
-            <a:pathLst>
-              <a:path w="971654" h="2096979">
-                <a:moveTo>
-                  <a:pt x="0" y="0"/>
-                </a:moveTo>
-                <a:lnTo>
-                  <a:pt x="971654" y="0"/>
-                </a:lnTo>
-                <a:lnTo>
-                  <a:pt x="0" y="2096979"/>
-                </a:lnTo>
-                <a:close/>
-              </a:path>
-            </a:pathLst>
-          </a:custGeom>
-          <a:solidFill>
-            <a:srgbClr val="404040"/>
-          </a:solidFill>
-          <a:ln>
-            <a:noFill/>
-          </a:ln>
-        </p:spPr>
-        <p:style>
-          <a:lnRef idx="2">
-            <a:schemeClr val="accent1">
-              <a:shade val="50000"/>
-            </a:schemeClr>
-          </a:lnRef>
-          <a:fillRef idx="1">
-            <a:schemeClr val="accent1"/>
-          </a:fillRef>
-          <a:effectRef idx="0">
-            <a:schemeClr val="accent1"/>
-          </a:effectRef>
-          <a:fontRef idx="minor">
-            <a:schemeClr val="lt1"/>
-          </a:fontRef>
-        </p:style>
-        <p:txBody>
-          <a:bodyPr wrap="square" rtlCol="0" anchor="ctr">
-            <a:noAutofit/>
-          </a:bodyPr>
-          <a:lstStyle/>
-          <a:p>
-            <a:pPr algn="ctr"/>
-            <a:endParaRPr lang="en-US"/>
-          </a:p>
-        </p:txBody>
-      </p:sp>
-      <p:sp>
-        <p:nvSpPr>
-          <p:cNvPr id="3" name="Content Placeholder 2">
-            <a:extLst>
-              <a:ext uri="{FF2B5EF4-FFF2-40B4-BE49-F238E27FC236}">
-                <a16:creationId xmlns:a16="http://schemas.microsoft.com/office/drawing/2014/main" id="{F4E2FDF2-8EF7-4028-AA46-08D8DF6AFAB1}"/>
-              </a:ext>
-            </a:extLst>
-          </p:cNvPr>
-          <p:cNvSpPr>
-            <a:spLocks noGrp="1"/>
-          </p:cNvSpPr>
-          <p:nvPr>
-            <p:ph idx="1"/>
-          </p:nvPr>
-        </p:nvSpPr>
-        <p:spPr>
-          <a:xfrm>
-            <a:off x="1653363" y="2176272"/>
-            <a:ext cx="9367204" cy="4041648"/>
-          </a:xfrm>
-        </p:spPr>
-        <p:txBody>
-          <a:bodyPr anchor="t">
-            <a:normAutofit/>
-          </a:bodyPr>
-          <a:lstStyle/>
-          <a:p>
-            <a:r>
-              <a:rPr lang="en-US" sz="2400"/>
-              <a:t>Things we wish we could have done or wish we had done better</a:t>
-            </a:r>
-          </a:p>
-        </p:txBody>
-      </p:sp>
-    </p:spTree>
-    <p:extLst>
-      <p:ext uri="{BB962C8B-B14F-4D97-AF65-F5344CB8AC3E}">
-        <p14:creationId xmlns:p14="http://schemas.microsoft.com/office/powerpoint/2010/main" val="469866280"/>
       </p:ext>
     </p:extLst>
   </p:cSld>
